--- a/src/test/resources/images/XMC.pptx
+++ b/src/test/resources/images/XMC.pptx
@@ -6,6 +6,7 @@
   </p:sldMasterIdLst>
   <p:sldIdLst>
     <p:sldId id="256" r:id="rId2"/>
+    <p:sldId id="257" r:id="rId3"/>
   </p:sldIdLst>
   <p:sldSz cx="12192000" cy="6858000"/>
   <p:notesSz cx="6858000" cy="9144000"/>
@@ -4027,6 +4028,471 @@
 </p:sld>
 </file>
 
+<file path=ppt/slides/slide2.xml><?xml version="1.0" encoding="utf-8"?>
+<p:sld xmlns:a="http://schemas.openxmlformats.org/drawingml/2006/main" xmlns:r="http://schemas.openxmlformats.org/officeDocument/2006/relationships" xmlns:p="http://schemas.openxmlformats.org/presentationml/2006/main">
+  <p:cSld>
+    <p:spTree>
+      <p:nvGrpSpPr>
+        <p:cNvPr id="1" name=""/>
+        <p:cNvGrpSpPr/>
+        <p:nvPr/>
+      </p:nvGrpSpPr>
+      <p:grpSpPr>
+        <a:xfrm>
+          <a:off x="0" y="0"/>
+          <a:ext cx="0" cy="0"/>
+          <a:chOff x="0" y="0"/>
+          <a:chExt cx="0" cy="0"/>
+        </a:xfrm>
+      </p:grpSpPr>
+      <p:sp>
+        <p:nvSpPr>
+          <p:cNvPr id="8" name="Textfeld 7">
+            <a:extLst>
+              <a:ext uri="{FF2B5EF4-FFF2-40B4-BE49-F238E27FC236}">
+                <a16:creationId xmlns:a16="http://schemas.microsoft.com/office/drawing/2014/main" id="{5F1A3909-BC8C-4F6C-B330-A95AA3E84191}"/>
+              </a:ext>
+            </a:extLst>
+          </p:cNvPr>
+          <p:cNvSpPr txBox="1"/>
+          <p:nvPr/>
+        </p:nvSpPr>
+        <p:spPr>
+          <a:xfrm>
+            <a:off x="5031798" y="107979"/>
+            <a:ext cx="2555571" cy="369332"/>
+          </a:xfrm>
+          <a:prstGeom prst="rect">
+            <a:avLst/>
+          </a:prstGeom>
+          <a:noFill/>
+        </p:spPr>
+        <p:txBody>
+          <a:bodyPr wrap="none" rtlCol="0">
+            <a:spAutoFit/>
+          </a:bodyPr>
+          <a:lstStyle/>
+          <a:p>
+            <a:r>
+              <a:rPr lang="de-DE" dirty="0"/>
+              <a:t>E</a:t>
+            </a:r>
+            <a:r>
+              <a:rPr lang="de-DE" b="1" u="sng" dirty="0"/>
+              <a:t>x</a:t>
+            </a:r>
+            <a:r>
+              <a:rPr lang="de-DE" dirty="0"/>
+              <a:t>tended </a:t>
+            </a:r>
+            <a:r>
+              <a:rPr lang="de-DE" b="1" u="sng" dirty="0"/>
+              <a:t>M</a:t>
+            </a:r>
+            <a:r>
+              <a:rPr lang="de-DE" dirty="0"/>
+              <a:t>oney </a:t>
+            </a:r>
+            <a:r>
+              <a:rPr lang="de-DE" b="1" u="sng" dirty="0"/>
+              <a:t>C</a:t>
+            </a:r>
+            <a:r>
+              <a:rPr lang="de-DE" dirty="0"/>
+              <a:t>ontrol</a:t>
+            </a:r>
+          </a:p>
+        </p:txBody>
+      </p:sp>
+      <p:sp>
+        <p:nvSpPr>
+          <p:cNvPr id="16" name="Rechteck 15">
+            <a:extLst>
+              <a:ext uri="{FF2B5EF4-FFF2-40B4-BE49-F238E27FC236}">
+                <a16:creationId xmlns:a16="http://schemas.microsoft.com/office/drawing/2014/main" id="{EE12EC1C-41EC-4D32-B2A3-F5B9B156303A}"/>
+              </a:ext>
+            </a:extLst>
+          </p:cNvPr>
+          <p:cNvSpPr/>
+          <p:nvPr/>
+        </p:nvSpPr>
+        <p:spPr>
+          <a:xfrm>
+            <a:off x="402672" y="942028"/>
+            <a:ext cx="5126904" cy="4326258"/>
+          </a:xfrm>
+          <a:prstGeom prst="rect">
+            <a:avLst/>
+          </a:prstGeom>
+          <a:solidFill>
+            <a:schemeClr val="accent1">
+              <a:lumMod val="50000"/>
+            </a:schemeClr>
+          </a:solidFill>
+        </p:spPr>
+        <p:style>
+          <a:lnRef idx="2">
+            <a:schemeClr val="accent1">
+              <a:shade val="50000"/>
+            </a:schemeClr>
+          </a:lnRef>
+          <a:fillRef idx="1">
+            <a:schemeClr val="accent1"/>
+          </a:fillRef>
+          <a:effectRef idx="0">
+            <a:schemeClr val="accent1"/>
+          </a:effectRef>
+          <a:fontRef idx="minor">
+            <a:schemeClr val="lt1"/>
+          </a:fontRef>
+        </p:style>
+        <p:txBody>
+          <a:bodyPr rtlCol="0" anchor="ctr"/>
+          <a:lstStyle/>
+          <a:p>
+            <a:pPr algn="ctr"/>
+            <a:endParaRPr lang="de-DE" dirty="0"/>
+          </a:p>
+        </p:txBody>
+      </p:sp>
+      <p:grpSp>
+        <p:nvGrpSpPr>
+          <p:cNvPr id="29" name="Gruppieren 28">
+            <a:extLst>
+              <a:ext uri="{FF2B5EF4-FFF2-40B4-BE49-F238E27FC236}">
+                <a16:creationId xmlns:a16="http://schemas.microsoft.com/office/drawing/2014/main" id="{FC0839CB-E571-477C-A575-2B218AEE76C0}"/>
+              </a:ext>
+            </a:extLst>
+          </p:cNvPr>
+          <p:cNvGrpSpPr/>
+          <p:nvPr/>
+        </p:nvGrpSpPr>
+        <p:grpSpPr>
+          <a:xfrm>
+            <a:off x="1506689" y="2020497"/>
+            <a:ext cx="2770457" cy="2169319"/>
+            <a:chOff x="6691085" y="2608954"/>
+            <a:chExt cx="2770457" cy="2169319"/>
+          </a:xfrm>
+        </p:grpSpPr>
+        <p:cxnSp>
+          <p:nvCxnSpPr>
+            <p:cNvPr id="38" name="Gerader Verbinder 37">
+              <a:extLst>
+                <a:ext uri="{FF2B5EF4-FFF2-40B4-BE49-F238E27FC236}">
+                  <a16:creationId xmlns:a16="http://schemas.microsoft.com/office/drawing/2014/main" id="{30F0B81A-57F0-415E-B8EE-3F0247124076}"/>
+                </a:ext>
+              </a:extLst>
+            </p:cNvPr>
+            <p:cNvCxnSpPr>
+              <a:cxnSpLocks/>
+            </p:cNvCxnSpPr>
+            <p:nvPr/>
+          </p:nvCxnSpPr>
+          <p:spPr>
+            <a:xfrm>
+              <a:off x="8218877" y="2711042"/>
+              <a:ext cx="1242665" cy="0"/>
+            </a:xfrm>
+            <a:prstGeom prst="line">
+              <a:avLst/>
+            </a:prstGeom>
+            <a:ln w="200025">
+              <a:solidFill>
+                <a:schemeClr val="bg1"/>
+              </a:solidFill>
+            </a:ln>
+            <a:effectLst>
+              <a:glow rad="228600">
+                <a:schemeClr val="accent1">
+                  <a:satMod val="175000"/>
+                  <a:alpha val="40000"/>
+                </a:schemeClr>
+              </a:glow>
+            </a:effectLst>
+          </p:spPr>
+          <p:style>
+            <a:lnRef idx="3">
+              <a:schemeClr val="dk1"/>
+            </a:lnRef>
+            <a:fillRef idx="0">
+              <a:schemeClr val="dk1"/>
+            </a:fillRef>
+            <a:effectRef idx="2">
+              <a:schemeClr val="dk1"/>
+            </a:effectRef>
+            <a:fontRef idx="minor">
+              <a:schemeClr val="tx1"/>
+            </a:fontRef>
+          </p:style>
+        </p:cxnSp>
+        <p:cxnSp>
+          <p:nvCxnSpPr>
+            <p:cNvPr id="39" name="Gerader Verbinder 38">
+              <a:extLst>
+                <a:ext uri="{FF2B5EF4-FFF2-40B4-BE49-F238E27FC236}">
+                  <a16:creationId xmlns:a16="http://schemas.microsoft.com/office/drawing/2014/main" id="{D93EA837-C7B9-4268-B1B0-5BBA35E11FE3}"/>
+                </a:ext>
+              </a:extLst>
+            </p:cNvPr>
+            <p:cNvCxnSpPr>
+              <a:cxnSpLocks/>
+            </p:cNvCxnSpPr>
+            <p:nvPr/>
+          </p:nvCxnSpPr>
+          <p:spPr>
+            <a:xfrm>
+              <a:off x="8210487" y="4680540"/>
+              <a:ext cx="1242665" cy="0"/>
+            </a:xfrm>
+            <a:prstGeom prst="line">
+              <a:avLst/>
+            </a:prstGeom>
+            <a:ln w="200025">
+              <a:solidFill>
+                <a:schemeClr val="bg1"/>
+              </a:solidFill>
+            </a:ln>
+            <a:effectLst>
+              <a:glow rad="228600">
+                <a:schemeClr val="accent1">
+                  <a:satMod val="175000"/>
+                  <a:alpha val="40000"/>
+                </a:schemeClr>
+              </a:glow>
+            </a:effectLst>
+          </p:spPr>
+          <p:style>
+            <a:lnRef idx="3">
+              <a:schemeClr val="dk1"/>
+            </a:lnRef>
+            <a:fillRef idx="0">
+              <a:schemeClr val="dk1"/>
+            </a:fillRef>
+            <a:effectRef idx="2">
+              <a:schemeClr val="dk1"/>
+            </a:effectRef>
+            <a:fontRef idx="minor">
+              <a:schemeClr val="tx1"/>
+            </a:fontRef>
+          </p:style>
+        </p:cxnSp>
+        <p:cxnSp>
+          <p:nvCxnSpPr>
+            <p:cNvPr id="40" name="Gerader Verbinder 39">
+              <a:extLst>
+                <a:ext uri="{FF2B5EF4-FFF2-40B4-BE49-F238E27FC236}">
+                  <a16:creationId xmlns:a16="http://schemas.microsoft.com/office/drawing/2014/main" id="{E7F446B8-3B82-4A03-9723-907C4D0F2E5F}"/>
+                </a:ext>
+              </a:extLst>
+            </p:cNvPr>
+            <p:cNvCxnSpPr>
+              <a:cxnSpLocks/>
+            </p:cNvCxnSpPr>
+            <p:nvPr/>
+          </p:nvCxnSpPr>
+          <p:spPr>
+            <a:xfrm>
+              <a:off x="6705314" y="2689917"/>
+              <a:ext cx="1575546" cy="2024179"/>
+            </a:xfrm>
+            <a:prstGeom prst="line">
+              <a:avLst/>
+            </a:prstGeom>
+            <a:ln w="200025">
+              <a:solidFill>
+                <a:schemeClr val="bg1"/>
+              </a:solidFill>
+            </a:ln>
+            <a:effectLst>
+              <a:glow rad="228600">
+                <a:schemeClr val="accent1">
+                  <a:satMod val="175000"/>
+                  <a:alpha val="40000"/>
+                </a:schemeClr>
+              </a:glow>
+            </a:effectLst>
+          </p:spPr>
+          <p:style>
+            <a:lnRef idx="3">
+              <a:schemeClr val="dk1"/>
+            </a:lnRef>
+            <a:fillRef idx="0">
+              <a:schemeClr val="dk1"/>
+            </a:fillRef>
+            <a:effectRef idx="2">
+              <a:schemeClr val="dk1"/>
+            </a:effectRef>
+            <a:fontRef idx="minor">
+              <a:schemeClr val="tx1"/>
+            </a:fontRef>
+          </p:style>
+        </p:cxnSp>
+        <p:cxnSp>
+          <p:nvCxnSpPr>
+            <p:cNvPr id="41" name="Gerader Verbinder 40">
+              <a:extLst>
+                <a:ext uri="{FF2B5EF4-FFF2-40B4-BE49-F238E27FC236}">
+                  <a16:creationId xmlns:a16="http://schemas.microsoft.com/office/drawing/2014/main" id="{586E68DA-24CB-45A7-AE47-46729763DC98}"/>
+                </a:ext>
+              </a:extLst>
+            </p:cNvPr>
+            <p:cNvCxnSpPr>
+              <a:cxnSpLocks/>
+            </p:cNvCxnSpPr>
+            <p:nvPr/>
+          </p:nvCxnSpPr>
+          <p:spPr>
+            <a:xfrm flipV="1">
+              <a:off x="6705314" y="2668628"/>
+              <a:ext cx="1575546" cy="2011912"/>
+            </a:xfrm>
+            <a:prstGeom prst="line">
+              <a:avLst/>
+            </a:prstGeom>
+            <a:ln w="200025">
+              <a:solidFill>
+                <a:schemeClr val="bg1"/>
+              </a:solidFill>
+            </a:ln>
+            <a:effectLst>
+              <a:glow rad="228600">
+                <a:schemeClr val="accent1">
+                  <a:satMod val="175000"/>
+                  <a:alpha val="40000"/>
+                </a:schemeClr>
+              </a:glow>
+            </a:effectLst>
+          </p:spPr>
+          <p:style>
+            <a:lnRef idx="3">
+              <a:schemeClr val="dk1"/>
+            </a:lnRef>
+            <a:fillRef idx="0">
+              <a:schemeClr val="dk1"/>
+            </a:fillRef>
+            <a:effectRef idx="2">
+              <a:schemeClr val="dk1"/>
+            </a:effectRef>
+            <a:fontRef idx="minor">
+              <a:schemeClr val="tx1"/>
+            </a:fontRef>
+          </p:style>
+        </p:cxnSp>
+        <p:cxnSp>
+          <p:nvCxnSpPr>
+            <p:cNvPr id="42" name="Gerader Verbinder 41">
+              <a:extLst>
+                <a:ext uri="{FF2B5EF4-FFF2-40B4-BE49-F238E27FC236}">
+                  <a16:creationId xmlns:a16="http://schemas.microsoft.com/office/drawing/2014/main" id="{54109CD3-02EB-4B76-963E-93FE805695A3}"/>
+                </a:ext>
+              </a:extLst>
+            </p:cNvPr>
+            <p:cNvCxnSpPr/>
+            <p:nvPr/>
+          </p:nvCxnSpPr>
+          <p:spPr>
+            <a:xfrm>
+              <a:off x="6691085" y="2634808"/>
+              <a:ext cx="0" cy="2113383"/>
+            </a:xfrm>
+            <a:prstGeom prst="line">
+              <a:avLst/>
+            </a:prstGeom>
+            <a:ln w="200025">
+              <a:solidFill>
+                <a:schemeClr val="bg1"/>
+              </a:solidFill>
+            </a:ln>
+            <a:effectLst>
+              <a:glow rad="228600">
+                <a:schemeClr val="accent1">
+                  <a:satMod val="175000"/>
+                  <a:alpha val="40000"/>
+                </a:schemeClr>
+              </a:glow>
+            </a:effectLst>
+          </p:spPr>
+          <p:style>
+            <a:lnRef idx="3">
+              <a:schemeClr val="dk1"/>
+            </a:lnRef>
+            <a:fillRef idx="0">
+              <a:schemeClr val="dk1"/>
+            </a:fillRef>
+            <a:effectRef idx="2">
+              <a:schemeClr val="dk1"/>
+            </a:effectRef>
+            <a:fontRef idx="minor">
+              <a:schemeClr val="tx1"/>
+            </a:fontRef>
+          </p:style>
+        </p:cxnSp>
+        <p:cxnSp>
+          <p:nvCxnSpPr>
+            <p:cNvPr id="43" name="Gerader Verbinder 42">
+              <a:extLst>
+                <a:ext uri="{FF2B5EF4-FFF2-40B4-BE49-F238E27FC236}">
+                  <a16:creationId xmlns:a16="http://schemas.microsoft.com/office/drawing/2014/main" id="{22042F7D-3240-41FD-B58A-8CC89DA33336}"/>
+                </a:ext>
+              </a:extLst>
+            </p:cNvPr>
+            <p:cNvCxnSpPr>
+              <a:cxnSpLocks/>
+            </p:cNvCxnSpPr>
+            <p:nvPr/>
+          </p:nvCxnSpPr>
+          <p:spPr>
+            <a:xfrm>
+              <a:off x="8291642" y="2608954"/>
+              <a:ext cx="0" cy="2169319"/>
+            </a:xfrm>
+            <a:prstGeom prst="line">
+              <a:avLst/>
+            </a:prstGeom>
+            <a:ln w="200025">
+              <a:solidFill>
+                <a:schemeClr val="bg1"/>
+              </a:solidFill>
+            </a:ln>
+            <a:effectLst>
+              <a:glow rad="228600">
+                <a:schemeClr val="accent1">
+                  <a:satMod val="175000"/>
+                  <a:alpha val="40000"/>
+                </a:schemeClr>
+              </a:glow>
+            </a:effectLst>
+          </p:spPr>
+          <p:style>
+            <a:lnRef idx="3">
+              <a:schemeClr val="dk1"/>
+            </a:lnRef>
+            <a:fillRef idx="0">
+              <a:schemeClr val="dk1"/>
+            </a:fillRef>
+            <a:effectRef idx="2">
+              <a:schemeClr val="dk1"/>
+            </a:effectRef>
+            <a:fontRef idx="minor">
+              <a:schemeClr val="tx1"/>
+            </a:fontRef>
+          </p:style>
+        </p:cxnSp>
+      </p:grpSp>
+    </p:spTree>
+    <p:extLst>
+      <p:ext uri="{BB962C8B-B14F-4D97-AF65-F5344CB8AC3E}">
+        <p14:creationId xmlns:p14="http://schemas.microsoft.com/office/powerpoint/2010/main" val="3245213315"/>
+      </p:ext>
+    </p:extLst>
+  </p:cSld>
+  <p:clrMapOvr>
+    <a:masterClrMapping/>
+  </p:clrMapOvr>
+</p:sld>
+</file>
+
 <file path=ppt/theme/theme1.xml><?xml version="1.0" encoding="utf-8"?>
 <a:theme xmlns:a="http://schemas.openxmlformats.org/drawingml/2006/main" name="Office">
   <a:themeElements>
